--- a/08-functors/lec.pptx
+++ b/08-functors/lec.pptx
@@ -220,7 +220,7 @@
           <a:p>
             <a:fld id="{5367F125-181F-9A48-A24E-AAD89CB055B5}" type="datetimeFigureOut">
               <a:rPr lang="en-US" smtClean="0"/>
-              <a:t>9/24/19</a:t>
+              <a:t>2/13/20</a:t>
             </a:fld>
             <a:endParaRPr lang="en-US"/>
           </a:p>
@@ -2936,7 +2936,7 @@
           <a:p>
             <a:fld id="{96331252-4874-F047-84B8-3D3EF8743E79}" type="datetimeFigureOut">
               <a:rPr lang="en-US" smtClean="0"/>
-              <a:t>9/24/19</a:t>
+              <a:t>2/13/20</a:t>
             </a:fld>
             <a:endParaRPr lang="en-US"/>
           </a:p>
@@ -3203,7 +3203,7 @@
           <a:p>
             <a:fld id="{96331252-4874-F047-84B8-3D3EF8743E79}" type="datetimeFigureOut">
               <a:rPr lang="en-US" smtClean="0"/>
-              <a:t>9/24/19</a:t>
+              <a:t>2/13/20</a:t>
             </a:fld>
             <a:endParaRPr lang="en-US"/>
           </a:p>
@@ -3381,7 +3381,7 @@
           <a:p>
             <a:fld id="{96331252-4874-F047-84B8-3D3EF8743E79}" type="datetimeFigureOut">
               <a:rPr lang="en-US" smtClean="0"/>
-              <a:t>9/24/19</a:t>
+              <a:t>2/13/20</a:t>
             </a:fld>
             <a:endParaRPr lang="en-US"/>
           </a:p>
@@ -3549,7 +3549,7 @@
           <a:p>
             <a:fld id="{96331252-4874-F047-84B8-3D3EF8743E79}" type="datetimeFigureOut">
               <a:rPr lang="en-US" smtClean="0"/>
-              <a:t>9/24/19</a:t>
+              <a:t>2/13/20</a:t>
             </a:fld>
             <a:endParaRPr lang="en-US"/>
           </a:p>
@@ -3794,7 +3794,7 @@
           <a:p>
             <a:fld id="{96331252-4874-F047-84B8-3D3EF8743E79}" type="datetimeFigureOut">
               <a:rPr lang="en-US" smtClean="0"/>
-              <a:t>9/24/19</a:t>
+              <a:t>2/13/20</a:t>
             </a:fld>
             <a:endParaRPr lang="en-US"/>
           </a:p>
@@ -4079,7 +4079,7 @@
           <a:p>
             <a:fld id="{96331252-4874-F047-84B8-3D3EF8743E79}" type="datetimeFigureOut">
               <a:rPr lang="en-US" smtClean="0"/>
-              <a:t>9/24/19</a:t>
+              <a:t>2/13/20</a:t>
             </a:fld>
             <a:endParaRPr lang="en-US"/>
           </a:p>
@@ -4498,7 +4498,7 @@
           <a:p>
             <a:fld id="{96331252-4874-F047-84B8-3D3EF8743E79}" type="datetimeFigureOut">
               <a:rPr lang="en-US" smtClean="0"/>
-              <a:t>9/24/19</a:t>
+              <a:t>2/13/20</a:t>
             </a:fld>
             <a:endParaRPr lang="en-US"/>
           </a:p>
@@ -4615,7 +4615,7 @@
           <a:p>
             <a:fld id="{96331252-4874-F047-84B8-3D3EF8743E79}" type="datetimeFigureOut">
               <a:rPr lang="en-US" smtClean="0"/>
-              <a:t>9/24/19</a:t>
+              <a:t>2/13/20</a:t>
             </a:fld>
             <a:endParaRPr lang="en-US"/>
           </a:p>
@@ -4710,7 +4710,7 @@
           <a:p>
             <a:fld id="{96331252-4874-F047-84B8-3D3EF8743E79}" type="datetimeFigureOut">
               <a:rPr lang="en-US" smtClean="0"/>
-              <a:t>9/24/19</a:t>
+              <a:t>2/13/20</a:t>
             </a:fld>
             <a:endParaRPr lang="en-US"/>
           </a:p>
@@ -4985,7 +4985,7 @@
           <a:p>
             <a:fld id="{96331252-4874-F047-84B8-3D3EF8743E79}" type="datetimeFigureOut">
               <a:rPr lang="en-US" smtClean="0"/>
-              <a:t>9/24/19</a:t>
+              <a:t>2/13/20</a:t>
             </a:fld>
             <a:endParaRPr lang="en-US"/>
           </a:p>
@@ -5237,7 +5237,7 @@
           <a:p>
             <a:fld id="{96331252-4874-F047-84B8-3D3EF8743E79}" type="datetimeFigureOut">
               <a:rPr lang="en-US" smtClean="0"/>
-              <a:t>9/24/19</a:t>
+              <a:t>2/13/20</a:t>
             </a:fld>
             <a:endParaRPr lang="en-US"/>
           </a:p>
@@ -5451,7 +5451,7 @@
             <a:fld id="{96331252-4874-F047-84B8-3D3EF8743E79}" type="datetimeFigureOut">
               <a:rPr lang="en-US" smtClean="0"/>
               <a:pPr/>
-              <a:t>9/24/19</a:t>
+              <a:t>2/13/20</a:t>
             </a:fld>
             <a:endParaRPr lang="en-US"/>
           </a:p>
@@ -6412,7 +6412,7 @@
         </p:spPr>
         <p:txBody>
           <a:bodyPr>
-            <a:normAutofit/>
+            <a:normAutofit lnSpcReduction="10000"/>
           </a:bodyPr>
           <a:lstStyle/>
           <a:p>
@@ -6422,7 +6422,7 @@
             </a:pPr>
             <a:r>
               <a:rPr lang="en-US" sz="3200" dirty="0"/>
-              <a:t>[last night] R3 due</a:t>
+              <a:t>[Last night] A1 due</a:t>
             </a:r>
           </a:p>
           <a:p>
@@ -6432,7 +6432,17 @@
             </a:pPr>
             <a:r>
               <a:rPr lang="en-US" sz="3200" dirty="0"/>
-              <a:t>[tomorrow night] A2 due</a:t>
+              <a:t>[Today] A2 out</a:t>
+            </a:r>
+          </a:p>
+          <a:p>
+            <a:pPr marL="342900" lvl="1" indent="-342900">
+              <a:buFont typeface="Arial"/>
+              <a:buChar char="•"/>
+            </a:pPr>
+            <a:r>
+              <a:rPr lang="en-US" dirty="0"/>
+              <a:t>[Monday] R3 due</a:t>
             </a:r>
           </a:p>
           <a:p>
